--- a/hafta_14.pptx
+++ b/hafta_14.pptx
@@ -7249,7 +7249,12 @@
             <p:ph type="title"/>
           </p:nvPr>
         </p:nvSpPr>
-        <p:spPr/>
+        <p:spPr>
+          <a:xfrm>
+            <a:off x="562302" y="365125"/>
+            <a:ext cx="10150147" cy="1577975"/>
+          </a:xfrm>
+        </p:spPr>
         <p:txBody>
           <a:bodyPr/>
           <a:lstStyle/>
@@ -7372,7 +7377,12 @@
             <p:ph type="title"/>
           </p:nvPr>
         </p:nvSpPr>
-        <p:spPr/>
+        <p:spPr>
+          <a:xfrm>
+            <a:off x="1413642" y="635876"/>
+            <a:ext cx="9493249" cy="1154824"/>
+          </a:xfrm>
+        </p:spPr>
         <p:txBody>
           <a:bodyPr/>
           <a:lstStyle/>
@@ -7796,6 +7806,76 @@
             <a:r>
               <a:rPr lang="tr-TR" dirty="0"/>
               <a:t>https://www.seeedstudio.com/blog/2019/09/29/top-20-best-raspberry-pi-4-projects-that-you-must-try-now/</a:t>
+            </a:r>
+          </a:p>
+        </p:txBody>
+      </p:sp>
+      <p:sp>
+        <p:nvSpPr>
+          <p:cNvPr id="4" name="TextBox 3">
+            <a:extLst>
+              <a:ext uri="{FF2B5EF4-FFF2-40B4-BE49-F238E27FC236}">
+                <a16:creationId xmlns:a16="http://schemas.microsoft.com/office/drawing/2014/main" id="{4490CBAF-5957-F76B-4912-D9A643E0DCAB}"/>
+              </a:ext>
+            </a:extLst>
+          </p:cNvPr>
+          <p:cNvSpPr txBox="1"/>
+          <p:nvPr/>
+        </p:nvSpPr>
+        <p:spPr>
+          <a:xfrm>
+            <a:off x="788276" y="414166"/>
+            <a:ext cx="9144000" cy="369332"/>
+          </a:xfrm>
+          <a:prstGeom prst="rect">
+            <a:avLst/>
+          </a:prstGeom>
+          <a:noFill/>
+        </p:spPr>
+        <p:txBody>
+          <a:bodyPr wrap="square">
+            <a:spAutoFit/>
+          </a:bodyPr>
+          <a:lstStyle/>
+          <a:p>
+            <a:r>
+              <a:rPr lang="en-US" dirty="0"/>
+              <a:t>https://www.raspberrypi.com/tutorials/how-to-set-up-raspberry-pi/</a:t>
+            </a:r>
+          </a:p>
+        </p:txBody>
+      </p:sp>
+      <p:sp>
+        <p:nvSpPr>
+          <p:cNvPr id="9" name="TextBox 8">
+            <a:extLst>
+              <a:ext uri="{FF2B5EF4-FFF2-40B4-BE49-F238E27FC236}">
+                <a16:creationId xmlns:a16="http://schemas.microsoft.com/office/drawing/2014/main" id="{4BEDAE40-D49A-A09C-53A1-8ED161B19AA7}"/>
+              </a:ext>
+            </a:extLst>
+          </p:cNvPr>
+          <p:cNvSpPr txBox="1"/>
+          <p:nvPr/>
+        </p:nvSpPr>
+        <p:spPr>
+          <a:xfrm>
+            <a:off x="788276" y="805539"/>
+            <a:ext cx="10534380" cy="369332"/>
+          </a:xfrm>
+          <a:prstGeom prst="rect">
+            <a:avLst/>
+          </a:prstGeom>
+          <a:noFill/>
+        </p:spPr>
+        <p:txBody>
+          <a:bodyPr wrap="square">
+            <a:spAutoFit/>
+          </a:bodyPr>
+          <a:lstStyle/>
+          <a:p>
+            <a:r>
+              <a:rPr lang="en-US" dirty="0"/>
+              <a:t>https://www.raspberrypi.com/tutorials/build-your-own-raspberry-pi-flight-tracker/</a:t>
             </a:r>
           </a:p>
         </p:txBody>
